--- a/VelocityJS.pptx
+++ b/VelocityJS.pptx
@@ -8,10 +8,9 @@
     <p:sldId id="256" r:id="rId2"/>
     <p:sldId id="257" r:id="rId3"/>
     <p:sldId id="258" r:id="rId4"/>
-    <p:sldId id="259" r:id="rId5"/>
-    <p:sldId id="260" r:id="rId6"/>
-    <p:sldId id="261" r:id="rId7"/>
-    <p:sldId id="262" r:id="rId8"/>
+    <p:sldId id="260" r:id="rId5"/>
+    <p:sldId id="261" r:id="rId6"/>
+    <p:sldId id="262" r:id="rId7"/>
   </p:sldIdLst>
   <p:sldSz cx="12192000" cy="6858000"/>
   <p:notesSz cx="6858000" cy="9144000"/>
@@ -110,6 +109,11 @@
       </a:defRPr>
     </a:lvl9pPr>
   </p:defaultTextStyle>
+  <p:extLst>
+    <p:ext uri="{EFAFB233-063F-42B5-8137-9DF3F51BA10A}">
+      <p15:sldGuideLst xmlns:p15="http://schemas.microsoft.com/office/powerpoint/2012/main"/>
+    </p:ext>
+  </p:extLst>
 </p:presentation>
 </file>
 
@@ -281,7 +285,7 @@
           <a:p>
             <a:fld id="{9E016143-E03C-4CFD-AFDC-14E5BDEA754C}" type="datetimeFigureOut">
               <a:rPr lang="en-US" dirty="0"/>
-              <a:t>2/28/17</a:t>
+              <a:t>3/1/17</a:t>
             </a:fld>
             <a:endParaRPr lang="en-US" dirty="0"/>
           </a:p>
@@ -505,7 +509,7 @@
           <a:p>
             <a:fld id="{C033E54A-A8CA-48C1-9504-691B58049D29}" type="datetimeFigureOut">
               <a:rPr lang="en-US" dirty="0"/>
-              <a:t>2/28/17</a:t>
+              <a:t>3/1/17</a:t>
             </a:fld>
             <a:endParaRPr lang="en-US" dirty="0"/>
           </a:p>
@@ -680,7 +684,7 @@
           <a:p>
             <a:fld id="{B5F6C806-BBF7-471C-9527-881CE2266695}" type="datetimeFigureOut">
               <a:rPr lang="en-US" dirty="0"/>
-              <a:t>2/28/17</a:t>
+              <a:t>3/1/17</a:t>
             </a:fld>
             <a:endParaRPr lang="en-US" dirty="0"/>
           </a:p>
@@ -845,7 +849,7 @@
           <a:p>
             <a:fld id="{78C94063-DF36-4330-A365-08DA1FA5B7D6}" type="datetimeFigureOut">
               <a:rPr lang="en-US" dirty="0"/>
-              <a:t>2/28/17</a:t>
+              <a:t>3/1/17</a:t>
             </a:fld>
             <a:endParaRPr lang="en-US" dirty="0"/>
           </a:p>
@@ -1094,7 +1098,7 @@
           <a:p>
             <a:fld id="{908A7C6C-0F39-4D70-8E8D-FE5B9C95FA73}" type="datetimeFigureOut">
               <a:rPr lang="en-US" dirty="0"/>
-              <a:t>2/28/17</a:t>
+              <a:t>3/1/17</a:t>
             </a:fld>
             <a:endParaRPr lang="en-US" dirty="0"/>
           </a:p>
@@ -1415,7 +1419,7 @@
           <a:p>
             <a:fld id="{DFCFA4AC-08CC-42CE-BD01-C191750A04EC}" type="datetimeFigureOut">
               <a:rPr lang="en-US" dirty="0"/>
-              <a:t>2/28/17</a:t>
+              <a:t>3/1/17</a:t>
             </a:fld>
             <a:endParaRPr lang="en-US" dirty="0"/>
           </a:p>
@@ -1861,7 +1865,7 @@
           <a:p>
             <a:fld id="{1BA7A723-92A7-435B-B681-F25B092FEFEB}" type="datetimeFigureOut">
               <a:rPr lang="en-US" dirty="0"/>
-              <a:t>2/28/17</a:t>
+              <a:t>3/1/17</a:t>
             </a:fld>
             <a:endParaRPr lang="en-US" dirty="0"/>
           </a:p>
@@ -1974,7 +1978,7 @@
           <a:p>
             <a:fld id="{4F170639-886C-4FCF-9EAB-ABB5DA3F3F4A}" type="datetimeFigureOut">
               <a:rPr lang="en-US" dirty="0"/>
-              <a:t>2/28/17</a:t>
+              <a:t>3/1/17</a:t>
             </a:fld>
             <a:endParaRPr lang="en-US" dirty="0"/>
           </a:p>
@@ -2064,7 +2068,7 @@
           <a:p>
             <a:fld id="{22230651-31F4-45D2-98AE-A2108F41BC07}" type="datetimeFigureOut">
               <a:rPr lang="en-US" dirty="0"/>
-              <a:t>2/28/17</a:t>
+              <a:t>3/1/17</a:t>
             </a:fld>
             <a:endParaRPr lang="en-US" dirty="0"/>
           </a:p>
@@ -2346,7 +2350,7 @@
           <a:p>
             <a:fld id="{6F53789A-C914-4DB1-8815-80B5EC7335C5}" type="datetimeFigureOut">
               <a:rPr lang="en-US" dirty="0"/>
-              <a:t>2/28/17</a:t>
+              <a:t>3/1/17</a:t>
             </a:fld>
             <a:endParaRPr lang="en-US" dirty="0"/>
           </a:p>
@@ -2666,7 +2670,7 @@
           <a:p>
             <a:fld id="{5E6440AA-91A0-436F-8FDB-C0F939DCAE21}" type="datetimeFigureOut">
               <a:rPr lang="en-US" dirty="0"/>
-              <a:t>2/28/17</a:t>
+              <a:t>3/1/17</a:t>
             </a:fld>
             <a:endParaRPr lang="en-US" dirty="0"/>
           </a:p>
@@ -2915,7 +2919,7 @@
           <a:p>
             <a:fld id="{0E59FD0C-5451-4CA0-86AF-E70AE3279989}" type="datetimeFigureOut">
               <a:rPr lang="en-US" dirty="0"/>
-              <a:t>2/28/17</a:t>
+              <a:t>3/1/17</a:t>
             </a:fld>
             <a:endParaRPr lang="en-US" dirty="0"/>
           </a:p>
@@ -4061,117 +4065,6 @@
         </p:nvSpPr>
         <p:spPr>
           <a:xfrm>
-            <a:off x="767197" y="545642"/>
-            <a:ext cx="5693564" cy="893414"/>
-          </a:xfrm>
-        </p:spPr>
-        <p:txBody>
-          <a:bodyPr>
-            <a:normAutofit fontScale="90000"/>
-          </a:bodyPr>
-          <a:lstStyle/>
-          <a:p>
-            <a:r>
-              <a:rPr lang="es-ES_tradnl" dirty="0">
-                <a:latin typeface="Century Gothic" charset="0"/>
-                <a:ea typeface="Century Gothic" charset="0"/>
-                <a:cs typeface="Century Gothic" charset="0"/>
-              </a:rPr>
-              <a:t>Integración con el </a:t>
-            </a:r>
-            <a:r>
-              <a:rPr lang="es-ES_tradnl" dirty="0" err="1">
-                <a:latin typeface="Century Gothic" charset="0"/>
-                <a:ea typeface="Century Gothic" charset="0"/>
-                <a:cs typeface="Century Gothic" charset="0"/>
-              </a:rPr>
-              <a:t>canvas</a:t>
-            </a:r>
-            <a:r>
-              <a:rPr lang="es-ES_tradnl" dirty="0">
-                <a:latin typeface="Century Gothic" charset="0"/>
-                <a:ea typeface="Century Gothic" charset="0"/>
-                <a:cs typeface="Century Gothic" charset="0"/>
-              </a:rPr>
-              <a:t> de </a:t>
-            </a:r>
-            <a:r>
-              <a:rPr lang="es-ES_tradnl" dirty="0" smtClean="0">
-                <a:latin typeface="Century Gothic" charset="0"/>
-                <a:ea typeface="Century Gothic" charset="0"/>
-                <a:cs typeface="Century Gothic" charset="0"/>
-              </a:rPr>
-              <a:t>HTML.</a:t>
-            </a:r>
-            <a:endParaRPr lang="es-ES_tradnl" dirty="0">
-              <a:latin typeface="Century Gothic" charset="0"/>
-              <a:ea typeface="Century Gothic" charset="0"/>
-              <a:cs typeface="Century Gothic" charset="0"/>
-            </a:endParaRPr>
-          </a:p>
-        </p:txBody>
-      </p:sp>
-      <p:sp>
-        <p:nvSpPr>
-          <p:cNvPr id="3" name="Marcador de contenido 2"/>
-          <p:cNvSpPr>
-            <a:spLocks noGrp="1"/>
-          </p:cNvSpPr>
-          <p:nvPr>
-            <p:ph idx="1"/>
-          </p:nvPr>
-        </p:nvSpPr>
-        <p:spPr/>
-        <p:txBody>
-          <a:bodyPr/>
-          <a:lstStyle/>
-          <a:p>
-            <a:endParaRPr lang="es-ES_tradnl" dirty="0"/>
-          </a:p>
-        </p:txBody>
-      </p:sp>
-    </p:spTree>
-    <p:extLst>
-      <p:ext uri="{BB962C8B-B14F-4D97-AF65-F5344CB8AC3E}">
-        <p14:creationId xmlns:p14="http://schemas.microsoft.com/office/powerpoint/2010/main" val="1866873197"/>
-      </p:ext>
-    </p:extLst>
-  </p:cSld>
-  <p:clrMapOvr>
-    <a:masterClrMapping/>
-  </p:clrMapOvr>
-</p:sld>
-</file>
-
-<file path=ppt/slides/slide5.xml><?xml version="1.0" encoding="utf-8"?>
-<p:sld xmlns:a="http://schemas.openxmlformats.org/drawingml/2006/main" xmlns:r="http://schemas.openxmlformats.org/officeDocument/2006/relationships" xmlns:p="http://schemas.openxmlformats.org/presentationml/2006/main">
-  <p:cSld>
-    <p:spTree>
-      <p:nvGrpSpPr>
-        <p:cNvPr id="1" name=""/>
-        <p:cNvGrpSpPr/>
-        <p:nvPr/>
-      </p:nvGrpSpPr>
-      <p:grpSpPr>
-        <a:xfrm>
-          <a:off x="0" y="0"/>
-          <a:ext cx="0" cy="0"/>
-          <a:chOff x="0" y="0"/>
-          <a:chExt cx="0" cy="0"/>
-        </a:xfrm>
-      </p:grpSpPr>
-      <p:sp>
-        <p:nvSpPr>
-          <p:cNvPr id="2" name="Título 1"/>
-          <p:cNvSpPr>
-            <a:spLocks noGrp="1"/>
-          </p:cNvSpPr>
-          <p:nvPr>
-            <p:ph type="title"/>
-          </p:nvPr>
-        </p:nvSpPr>
-        <p:spPr>
-          <a:xfrm>
             <a:off x="1261872" y="365760"/>
             <a:ext cx="4674233" cy="1005202"/>
           </a:xfrm>
@@ -4322,7 +4215,7 @@
 </p:sld>
 </file>
 
-<file path=ppt/slides/slide6.xml><?xml version="1.0" encoding="utf-8"?>
+<file path=ppt/slides/slide5.xml><?xml version="1.0" encoding="utf-8"?>
 <p:sld xmlns:a="http://schemas.openxmlformats.org/drawingml/2006/main" xmlns:r="http://schemas.openxmlformats.org/officeDocument/2006/relationships" xmlns:p="http://schemas.openxmlformats.org/presentationml/2006/main">
   <p:cSld>
     <p:spTree>
@@ -4556,7 +4449,7 @@
 </p:sld>
 </file>
 
-<file path=ppt/slides/slide7.xml><?xml version="1.0" encoding="utf-8"?>
+<file path=ppt/slides/slide6.xml><?xml version="1.0" encoding="utf-8"?>
 <p:sld xmlns:a="http://schemas.openxmlformats.org/drawingml/2006/main" xmlns:r="http://schemas.openxmlformats.org/officeDocument/2006/relationships" xmlns:p="http://schemas.openxmlformats.org/presentationml/2006/main">
   <p:cSld>
     <p:spTree>
